--- a/lectures/introduction-internship.pptx
+++ b/lectures/introduction-internship.pptx
@@ -284,7 +284,7 @@
             <a:fld id="{8AD1700A-0812-4960-BDAF-BBEBDA6F415D}" type="datetime1">
               <a:rPr lang="en-US" altLang="en-US"/>
               <a:pPr/>
-              <a:t>1/14/2022</a:t>
+              <a:t>9/1/2022</a:t>
             </a:fld>
             <a:endParaRPr lang="en-US" altLang="en-US"/>
           </a:p>
@@ -566,7 +566,7 @@
           </a:ln>
           <a:extLst>
             <a:ext uri="{909E8E84-426E-40dd-AFC4-6F175D3DCCD1}">
-              <a14:hiddenFill xmlns="" xmlns:a14="http://schemas.microsoft.com/office/drawing/2010/main">
+              <a14:hiddenFill xmlns:a14="http://schemas.microsoft.com/office/drawing/2010/main" xmlns="">
                 <a:solidFill>
                   <a:srgbClr val="FFFFFF"/>
                 </a:solidFill>
@@ -951,14 +951,14 @@
           <a:ln/>
           <a:extLst>
             <a:ext uri="{909E8E84-426E-40dd-AFC4-6F175D3DCCD1}">
-              <a14:hiddenFill xmlns="" xmlns:a14="http://schemas.microsoft.com/office/drawing/2010/main">
+              <a14:hiddenFill xmlns:a14="http://schemas.microsoft.com/office/drawing/2010/main" xmlns="">
                 <a:solidFill>
                   <a:srgbClr val="FFFFFF"/>
                 </a:solidFill>
               </a14:hiddenFill>
             </a:ext>
             <a:ext uri="{91240B29-F687-4f45-9708-019B960494DF}">
-              <a14:hiddenLine xmlns="" xmlns:a14="http://schemas.microsoft.com/office/drawing/2010/main" w="9525">
+              <a14:hiddenLine xmlns:a14="http://schemas.microsoft.com/office/drawing/2010/main" xmlns="" w="9525">
                 <a:solidFill>
                   <a:srgbClr val="000000"/>
                 </a:solidFill>
@@ -1000,14 +1000,14 @@
           <a:ln/>
           <a:extLst>
             <a:ext uri="{909E8E84-426E-40dd-AFC4-6F175D3DCCD1}">
-              <a14:hiddenFill xmlns="" xmlns:a14="http://schemas.microsoft.com/office/drawing/2010/main">
+              <a14:hiddenFill xmlns:a14="http://schemas.microsoft.com/office/drawing/2010/main" xmlns="">
                 <a:solidFill>
                   <a:srgbClr val="FFFFFF"/>
                 </a:solidFill>
               </a14:hiddenFill>
             </a:ext>
             <a:ext uri="{91240B29-F687-4f45-9708-019B960494DF}">
-              <a14:hiddenLine xmlns="" xmlns:a14="http://schemas.microsoft.com/office/drawing/2010/main" w="9525">
+              <a14:hiddenLine xmlns:a14="http://schemas.microsoft.com/office/drawing/2010/main" xmlns="" w="9525">
                 <a:solidFill>
                   <a:srgbClr val="000000"/>
                 </a:solidFill>
@@ -1208,7 +1208,7 @@
           </a:ln>
           <a:extLst>
             <a:ext uri="{91240B29-F687-4f45-9708-019B960494DF}">
-              <a14:hiddenLine xmlns="" xmlns:a14="http://schemas.microsoft.com/office/drawing/2010/main" w="9525">
+              <a14:hiddenLine xmlns:a14="http://schemas.microsoft.com/office/drawing/2010/main" xmlns="" w="9525">
                 <a:solidFill>
                   <a:srgbClr val="000000"/>
                 </a:solidFill>
@@ -1374,14 +1374,14 @@
           </a:ln>
           <a:extLst>
             <a:ext uri="{909E8E84-426E-40dd-AFC4-6F175D3DCCD1}">
-              <a14:hiddenFill xmlns="" xmlns:a14="http://schemas.microsoft.com/office/drawing/2010/main">
+              <a14:hiddenFill xmlns:a14="http://schemas.microsoft.com/office/drawing/2010/main" xmlns="">
                 <a:solidFill>
                   <a:srgbClr val="FFFFFF"/>
                 </a:solidFill>
               </a14:hiddenFill>
             </a:ext>
             <a:ext uri="{91240B29-F687-4f45-9708-019B960494DF}">
-              <a14:hiddenLine xmlns="" xmlns:a14="http://schemas.microsoft.com/office/drawing/2010/main" w="9525">
+              <a14:hiddenLine xmlns:a14="http://schemas.microsoft.com/office/drawing/2010/main" xmlns="" w="9525">
                 <a:solidFill>
                   <a:srgbClr val="000000"/>
                 </a:solidFill>
@@ -3615,7 +3615,7 @@
             </a:ln>
             <a:extLst>
               <a:ext uri="{91240B29-F687-4f45-9708-019B960494DF}">
-                <a14:hiddenLine xmlns="" xmlns:a14="http://schemas.microsoft.com/office/drawing/2010/main" w="9525">
+                <a14:hiddenLine xmlns:a14="http://schemas.microsoft.com/office/drawing/2010/main" xmlns="" w="9525">
                   <a:solidFill>
                     <a:srgbClr val="000000"/>
                   </a:solidFill>
@@ -3778,7 +3778,7 @@
             </a:ln>
             <a:extLst>
               <a:ext uri="{91240B29-F687-4f45-9708-019B960494DF}">
-                <a14:hiddenLine xmlns="" xmlns:a14="http://schemas.microsoft.com/office/drawing/2010/main" w="9525">
+                <a14:hiddenLine xmlns:a14="http://schemas.microsoft.com/office/drawing/2010/main" xmlns="" w="9525">
                   <a:solidFill>
                     <a:srgbClr val="000000"/>
                   </a:solidFill>
@@ -3934,14 +3934,14 @@
           </a:ln>
           <a:extLst>
             <a:ext uri="{909E8E84-426E-40dd-AFC4-6F175D3DCCD1}">
-              <a14:hiddenFill xmlns="" xmlns:a14="http://schemas.microsoft.com/office/drawing/2010/main">
+              <a14:hiddenFill xmlns:a14="http://schemas.microsoft.com/office/drawing/2010/main" xmlns="">
                 <a:solidFill>
                   <a:srgbClr val="FFFFFF"/>
                 </a:solidFill>
               </a14:hiddenFill>
             </a:ext>
             <a:ext uri="{91240B29-F687-4f45-9708-019B960494DF}">
-              <a14:hiddenLine xmlns="" xmlns:a14="http://schemas.microsoft.com/office/drawing/2010/main" w="9525">
+              <a14:hiddenLine xmlns:a14="http://schemas.microsoft.com/office/drawing/2010/main" xmlns="" w="9525">
                 <a:solidFill>
                   <a:srgbClr val="000000"/>
                 </a:solidFill>
@@ -3998,14 +3998,14 @@
           </a:ln>
           <a:extLst>
             <a:ext uri="{909E8E84-426E-40dd-AFC4-6F175D3DCCD1}">
-              <a14:hiddenFill xmlns="" xmlns:a14="http://schemas.microsoft.com/office/drawing/2010/main">
+              <a14:hiddenFill xmlns:a14="http://schemas.microsoft.com/office/drawing/2010/main" xmlns="">
                 <a:solidFill>
                   <a:srgbClr val="FFFFFF"/>
                 </a:solidFill>
               </a14:hiddenFill>
             </a:ext>
             <a:ext uri="{91240B29-F687-4f45-9708-019B960494DF}">
-              <a14:hiddenLine xmlns="" xmlns:a14="http://schemas.microsoft.com/office/drawing/2010/main" w="9525">
+              <a14:hiddenLine xmlns:a14="http://schemas.microsoft.com/office/drawing/2010/main" xmlns="" w="9525">
                 <a:solidFill>
                   <a:srgbClr val="000000"/>
                 </a:solidFill>
@@ -4101,14 +4101,14 @@
           </a:ln>
           <a:extLst>
             <a:ext uri="{909E8E84-426E-40dd-AFC4-6F175D3DCCD1}">
-              <a14:hiddenFill xmlns="" xmlns:a14="http://schemas.microsoft.com/office/drawing/2010/main">
+              <a14:hiddenFill xmlns:a14="http://schemas.microsoft.com/office/drawing/2010/main" xmlns="">
                 <a:solidFill>
                   <a:srgbClr val="FFFFFF"/>
                 </a:solidFill>
               </a14:hiddenFill>
             </a:ext>
             <a:ext uri="{91240B29-F687-4f45-9708-019B960494DF}">
-              <a14:hiddenLine xmlns="" xmlns:a14="http://schemas.microsoft.com/office/drawing/2010/main" w="9525">
+              <a14:hiddenLine xmlns:a14="http://schemas.microsoft.com/office/drawing/2010/main" xmlns="" w="9525">
                 <a:solidFill>
                   <a:srgbClr val="000000"/>
                 </a:solidFill>
@@ -4680,14 +4680,14 @@
           </a:ln>
           <a:extLst>
             <a:ext uri="{909E8E84-426E-40dd-AFC4-6F175D3DCCD1}">
-              <a14:hiddenFill xmlns="" xmlns:a14="http://schemas.microsoft.com/office/drawing/2010/main">
+              <a14:hiddenFill xmlns:a14="http://schemas.microsoft.com/office/drawing/2010/main" xmlns="">
                 <a:solidFill>
                   <a:srgbClr val="FFFFFF"/>
                 </a:solidFill>
               </a14:hiddenFill>
             </a:ext>
             <a:ext uri="{91240B29-F687-4f45-9708-019B960494DF}">
-              <a14:hiddenLine xmlns="" xmlns:a14="http://schemas.microsoft.com/office/drawing/2010/main" w="9525">
+              <a14:hiddenLine xmlns:a14="http://schemas.microsoft.com/office/drawing/2010/main" xmlns="" w="9525">
                 <a:solidFill>
                   <a:srgbClr val="000000"/>
                 </a:solidFill>
@@ -4810,14 +4810,14 @@
           </a:ln>
           <a:extLst>
             <a:ext uri="{909E8E84-426E-40dd-AFC4-6F175D3DCCD1}">
-              <a14:hiddenFill xmlns="" xmlns:a14="http://schemas.microsoft.com/office/drawing/2010/main">
+              <a14:hiddenFill xmlns:a14="http://schemas.microsoft.com/office/drawing/2010/main" xmlns="">
                 <a:solidFill>
                   <a:srgbClr val="FFFFFF"/>
                 </a:solidFill>
               </a14:hiddenFill>
             </a:ext>
             <a:ext uri="{91240B29-F687-4f45-9708-019B960494DF}">
-              <a14:hiddenLine xmlns="" xmlns:a14="http://schemas.microsoft.com/office/drawing/2010/main" w="9525">
+              <a14:hiddenLine xmlns:a14="http://schemas.microsoft.com/office/drawing/2010/main" xmlns="" w="9525">
                 <a:solidFill>
                   <a:srgbClr val="000000"/>
                 </a:solidFill>
@@ -5028,7 +5028,7 @@
           <a:p>
             <a:r>
               <a:rPr lang="en-US" dirty="0"/>
-              <a:t>Peer Review Logistics</a:t>
+              <a:t>After Presentation</a:t>
             </a:r>
           </a:p>
         </p:txBody>
@@ -5056,7 +5056,15 @@
           <a:p>
             <a:r>
               <a:rPr lang="en-US" dirty="0"/>
-              <a:t>Submit TopHat answers by </a:t>
+              <a:t>Audience: submit </a:t>
+            </a:r>
+            <a:r>
+              <a:rPr lang="en-US" dirty="0" err="1"/>
+              <a:t>TopHat</a:t>
+            </a:r>
+            <a:r>
+              <a:rPr lang="en-US" dirty="0"/>
+              <a:t> review by </a:t>
             </a:r>
             <a:r>
               <a:rPr lang="en-US" dirty="0">
@@ -5081,6 +5089,51 @@
               <a:rPr lang="en-US" altLang="en-US" dirty="0"/>
               <a:t>Freeform comments on the Feedback section</a:t>
             </a:r>
+          </a:p>
+          <a:p>
+            <a:pPr lvl="1"/>
+            <a:endParaRPr lang="en-US" altLang="en-US" dirty="0"/>
+          </a:p>
+          <a:p>
+            <a:r>
+              <a:rPr lang="en-US" altLang="en-US" dirty="0"/>
+              <a:t>Speaker</a:t>
+            </a:r>
+          </a:p>
+          <a:p>
+            <a:pPr lvl="1"/>
+            <a:r>
+              <a:rPr lang="en-US" altLang="en-US" dirty="0"/>
+              <a:t>Finish answering Q&amp;A on Teams by end of day</a:t>
+            </a:r>
+          </a:p>
+          <a:p>
+            <a:pPr lvl="1"/>
+            <a:r>
+              <a:rPr lang="en-US" altLang="en-US" dirty="0"/>
+              <a:t>Submit Final Paper by the </a:t>
+            </a:r>
+            <a:r>
+              <a:rPr lang="en-US" altLang="en-US" dirty="0">
+                <a:solidFill>
+                  <a:srgbClr val="FF0000"/>
+                </a:solidFill>
+              </a:rPr>
+              <a:t>following Friday </a:t>
+            </a:r>
+            <a:r>
+              <a:rPr lang="en-US" altLang="en-US">
+                <a:solidFill>
+                  <a:srgbClr val="FF0000"/>
+                </a:solidFill>
+              </a:rPr>
+              <a:t>before class</a:t>
+            </a:r>
+            <a:endParaRPr lang="en-US" altLang="en-US" dirty="0">
+              <a:solidFill>
+                <a:srgbClr val="FF0000"/>
+              </a:solidFill>
+            </a:endParaRPr>
           </a:p>
         </p:txBody>
       </p:sp>
@@ -5226,7 +5279,7 @@
           <a:p>
             <a:r>
               <a:rPr lang="en-US" dirty="0"/>
-              <a:t>For top scorer, there will be a $100 cash prize:</a:t>
+              <a:t>For 3 top scorers, there will be cash prizes:</a:t>
             </a:r>
           </a:p>
           <a:p>
@@ -5494,6 +5547,23 @@
           <a:p>
             <a:r>
               <a:rPr lang="en-US" dirty="0"/>
+              <a:t>Do the </a:t>
+            </a:r>
+            <a:r>
+              <a:rPr lang="en-US" dirty="0" err="1"/>
+              <a:t>TopHat</a:t>
+            </a:r>
+            <a:r>
+              <a:rPr lang="en-US" dirty="0"/>
+              <a:t> survey due Sunday midnight</a:t>
+            </a:r>
+          </a:p>
+          <a:p>
+            <a:endParaRPr lang="en-US" dirty="0"/>
+          </a:p>
+          <a:p>
+            <a:r>
+              <a:rPr lang="en-US" dirty="0"/>
               <a:t>Talk to your supervisor about what you can publicize</a:t>
             </a:r>
           </a:p>
@@ -5768,6 +5838,15 @@
           <a:p>
             <a:r>
               <a:rPr lang="en-US" dirty="0"/>
+              <a:t>Write a final paper on your work to the instructor</a:t>
+            </a:r>
+          </a:p>
+          <a:p>
+            <a:endParaRPr lang="en-US" dirty="0"/>
+          </a:p>
+          <a:p>
+            <a:r>
+              <a:rPr lang="en-US" dirty="0"/>
               <a:t>Give a presentation on your work to your peers</a:t>
             </a:r>
           </a:p>
@@ -5787,15 +5866,6 @@
               <a:t>TopHat</a:t>
             </a:r>
             <a:endParaRPr lang="en-US" dirty="0"/>
-          </a:p>
-          <a:p>
-            <a:endParaRPr lang="en-US" dirty="0"/>
-          </a:p>
-          <a:p>
-            <a:r>
-              <a:rPr lang="en-US" dirty="0"/>
-              <a:t>Write a final paper</a:t>
-            </a:r>
           </a:p>
           <a:p>
             <a:endParaRPr lang="en-US" dirty="0"/>
@@ -5965,12 +6035,8 @@
               <a:rPr lang="en-US" sz="2000" dirty="0">
                 <a:hlinkClick r:id="rId2"/>
               </a:rPr>
-              <a:t>https://wonsunahn.github.io/Capstone_Spring2022/final_paper</a:t>
-            </a:r>
-            <a:endParaRPr lang="en-US" sz="2000" dirty="0"/>
-          </a:p>
-          <a:p>
-            <a:pPr marL="457200" indent="-457200"/>
+              <a:t>https://wonsunahn.github.io/Capstone_Fall2022/final_paper</a:t>
+            </a:r>
             <a:endParaRPr lang="en-US" sz="2000" dirty="0"/>
           </a:p>
           <a:p>
@@ -6173,7 +6239,7 @@
             </a:pPr>
             <a:r>
               <a:rPr lang="en-US" dirty="0"/>
-              <a:t>You have experience worth sharing with your peers</a:t>
+              <a:t>To share experience with your peers</a:t>
             </a:r>
           </a:p>
           <a:p>
@@ -6412,11 +6478,13 @@
             </a:br>
             <a:r>
               <a:rPr lang="en-US" dirty="0"/>
-              <a:t>How you did you resolved them?  What did you learn?</a:t>
-            </a:r>
-          </a:p>
-          <a:p>
-            <a:pPr marL="457200" indent="-457200"/>
+              <a:t>How you did you resolve them?  What did you learn?</a:t>
+            </a:r>
+          </a:p>
+          <a:p>
+            <a:pPr marL="0" indent="0">
+              <a:buNone/>
+            </a:pPr>
             <a:endParaRPr lang="en-US" dirty="0"/>
           </a:p>
           <a:p>
@@ -6488,7 +6556,7 @@
           <a:p>
             <a:r>
               <a:rPr lang="en-US" altLang="en-US" dirty="0"/>
-              <a:t>Before your presentation date</a:t>
+              <a:t>Before presentation date</a:t>
             </a:r>
           </a:p>
         </p:txBody>
@@ -6575,6 +6643,20 @@
           </a:p>
           <a:p>
             <a:pPr lvl="1"/>
+            <a:endParaRPr lang="en-US" altLang="en-US" dirty="0"/>
+          </a:p>
+          <a:p>
+            <a:r>
+              <a:rPr lang="en-US" altLang="en-US" dirty="0"/>
+              <a:t>Your slides will be ready for you next day on </a:t>
+            </a:r>
+            <a:r>
+              <a:rPr lang="en-US" altLang="en-US" dirty="0" err="1"/>
+              <a:t>TopHat</a:t>
+            </a:r>
+            <a:endParaRPr lang="en-US" altLang="en-US" dirty="0"/>
+          </a:p>
+          <a:p>
             <a:endParaRPr lang="en-US" altLang="en-US" dirty="0"/>
           </a:p>
           <a:p>
@@ -6638,7 +6720,7 @@
           <a:p>
             <a:r>
               <a:rPr lang="en-US" altLang="en-US" dirty="0"/>
-              <a:t>On the day of your presentation</a:t>
+              <a:t>During Presentation</a:t>
             </a:r>
           </a:p>
         </p:txBody>
@@ -6666,36 +6748,69 @@
           <a:p>
             <a:r>
               <a:rPr lang="en-US" altLang="en-US" dirty="0"/>
-              <a:t>We’ll </a:t>
-            </a:r>
-            <a:r>
-              <a:rPr lang="en-US" altLang="en-US"/>
-              <a:t>have 1~2 </a:t>
-            </a:r>
+              <a:t>5 talks per day. 50 / 5 = 10 minutes per talk.</a:t>
+            </a:r>
+          </a:p>
+          <a:p>
             <a:r>
               <a:rPr lang="en-US" altLang="en-US" dirty="0"/>
-              <a:t>presentation sessions per day</a:t>
+              <a:t>8 minutes: Presentation talk</a:t>
             </a:r>
           </a:p>
           <a:p>
             <a:pPr lvl="1"/>
             <a:r>
               <a:rPr lang="en-US" altLang="en-US" dirty="0"/>
-              <a:t>15-minute talk</a:t>
+              <a:t>Speaker: Present on </a:t>
+            </a:r>
+            <a:r>
+              <a:rPr lang="en-US" altLang="en-US" dirty="0" err="1"/>
+              <a:t>TopHat</a:t>
+            </a:r>
+            <a:r>
+              <a:rPr lang="en-US" altLang="en-US" dirty="0"/>
+              <a:t> using instructor’s laptop</a:t>
+            </a:r>
+            <a:br>
+              <a:rPr lang="en-US" altLang="en-US" dirty="0"/>
+            </a:br>
+            <a:r>
+              <a:rPr lang="en-US" altLang="en-US" dirty="0"/>
+              <a:t>(If using your own laptop, let me know ahead of time)</a:t>
             </a:r>
           </a:p>
           <a:p>
             <a:pPr lvl="1"/>
             <a:r>
               <a:rPr lang="en-US" altLang="en-US" dirty="0"/>
-              <a:t>5-minutes Q &amp; A</a:t>
+              <a:t>Audience: (If any) ask questions on Microsoft Teams</a:t>
+            </a:r>
+          </a:p>
+          <a:p>
+            <a:r>
+              <a:rPr lang="en-US" altLang="en-US" dirty="0"/>
+              <a:t>2 minutes: Intermission</a:t>
             </a:r>
           </a:p>
           <a:p>
             <a:pPr lvl="1"/>
             <a:r>
               <a:rPr lang="en-US" altLang="en-US" dirty="0"/>
-              <a:t>5-minutes peer review</a:t>
+              <a:t>Current speaker: Return to seat, answer Q&amp;A on Teams</a:t>
+            </a:r>
+          </a:p>
+          <a:p>
+            <a:pPr lvl="1"/>
+            <a:r>
+              <a:rPr lang="en-US" altLang="en-US" dirty="0"/>
+              <a:t>Next speaker: Immediately step up to podium</a:t>
+            </a:r>
+          </a:p>
+          <a:p>
+            <a:pPr lvl="1"/>
+            <a:r>
+              <a:rPr lang="en-US" altLang="en-US" dirty="0"/>
+              <a:t>Audience: Take notes for peer reviews (due midnight)</a:t>
             </a:r>
           </a:p>
           <a:p>
@@ -6703,32 +6818,24 @@
           </a:p>
           <a:p>
             <a:r>
+              <a:rPr lang="en-US" altLang="en-US" dirty="0">
+                <a:solidFill>
+                  <a:srgbClr val="FF0000"/>
+                </a:solidFill>
+              </a:rPr>
+              <a:t>Keep your own time</a:t>
+            </a:r>
+            <a:r>
               <a:rPr lang="en-US" altLang="en-US" dirty="0"/>
-              <a:t>Presenters, please come 10 minutes early to set up</a:t>
-            </a:r>
-          </a:p>
-          <a:p>
-            <a:pPr marL="457200" lvl="1" indent="0">
-              <a:buNone/>
-            </a:pPr>
-            <a:endParaRPr lang="en-US" altLang="en-US" dirty="0"/>
-          </a:p>
-          <a:p>
+              <a:t> using your cell phone</a:t>
+            </a:r>
+          </a:p>
+          <a:p>
+            <a:pPr lvl="1"/>
             <a:r>
               <a:rPr lang="en-US" altLang="en-US" dirty="0"/>
-              <a:t>You can use your own laptops to present</a:t>
-            </a:r>
-          </a:p>
-          <a:p>
-            <a:pPr lvl="1"/>
-            <a:r>
-              <a:rPr lang="en-US" altLang="en-US" dirty="0"/>
-              <a:t>If you want to borrow mine, let me know the previous day</a:t>
-            </a:r>
-          </a:p>
-          <a:p>
-            <a:pPr lvl="1"/>
-            <a:endParaRPr lang="en-US" altLang="en-US" dirty="0"/>
+              <a:t>I have to cut you off at 9 minutes (with no warning)</a:t>
+            </a:r>
           </a:p>
         </p:txBody>
       </p:sp>

--- a/lectures/introduction-internship.pptx
+++ b/lectures/introduction-internship.pptx
@@ -284,7 +284,7 @@
             <a:fld id="{8AD1700A-0812-4960-BDAF-BBEBDA6F415D}" type="datetime1">
               <a:rPr lang="en-US" altLang="en-US"/>
               <a:pPr/>
-              <a:t>9/1/2022</a:t>
+              <a:t>9/2/2022</a:t>
             </a:fld>
             <a:endParaRPr lang="en-US" altLang="en-US"/>
           </a:p>
@@ -566,7 +566,7 @@
           </a:ln>
           <a:extLst>
             <a:ext uri="{909E8E84-426E-40dd-AFC4-6F175D3DCCD1}">
-              <a14:hiddenFill xmlns:a14="http://schemas.microsoft.com/office/drawing/2010/main" xmlns="">
+              <a14:hiddenFill xmlns="" xmlns:a14="http://schemas.microsoft.com/office/drawing/2010/main">
                 <a:solidFill>
                   <a:srgbClr val="FFFFFF"/>
                 </a:solidFill>
@@ -951,14 +951,14 @@
           <a:ln/>
           <a:extLst>
             <a:ext uri="{909E8E84-426E-40dd-AFC4-6F175D3DCCD1}">
-              <a14:hiddenFill xmlns:a14="http://schemas.microsoft.com/office/drawing/2010/main" xmlns="">
+              <a14:hiddenFill xmlns="" xmlns:a14="http://schemas.microsoft.com/office/drawing/2010/main">
                 <a:solidFill>
                   <a:srgbClr val="FFFFFF"/>
                 </a:solidFill>
               </a14:hiddenFill>
             </a:ext>
             <a:ext uri="{91240B29-F687-4f45-9708-019B960494DF}">
-              <a14:hiddenLine xmlns:a14="http://schemas.microsoft.com/office/drawing/2010/main" xmlns="" w="9525">
+              <a14:hiddenLine xmlns="" xmlns:a14="http://schemas.microsoft.com/office/drawing/2010/main" w="9525">
                 <a:solidFill>
                   <a:srgbClr val="000000"/>
                 </a:solidFill>
@@ -1000,14 +1000,14 @@
           <a:ln/>
           <a:extLst>
             <a:ext uri="{909E8E84-426E-40dd-AFC4-6F175D3DCCD1}">
-              <a14:hiddenFill xmlns:a14="http://schemas.microsoft.com/office/drawing/2010/main" xmlns="">
+              <a14:hiddenFill xmlns="" xmlns:a14="http://schemas.microsoft.com/office/drawing/2010/main">
                 <a:solidFill>
                   <a:srgbClr val="FFFFFF"/>
                 </a:solidFill>
               </a14:hiddenFill>
             </a:ext>
             <a:ext uri="{91240B29-F687-4f45-9708-019B960494DF}">
-              <a14:hiddenLine xmlns:a14="http://schemas.microsoft.com/office/drawing/2010/main" xmlns="" w="9525">
+              <a14:hiddenLine xmlns="" xmlns:a14="http://schemas.microsoft.com/office/drawing/2010/main" w="9525">
                 <a:solidFill>
                   <a:srgbClr val="000000"/>
                 </a:solidFill>
@@ -1208,7 +1208,7 @@
           </a:ln>
           <a:extLst>
             <a:ext uri="{91240B29-F687-4f45-9708-019B960494DF}">
-              <a14:hiddenLine xmlns:a14="http://schemas.microsoft.com/office/drawing/2010/main" xmlns="" w="9525">
+              <a14:hiddenLine xmlns="" xmlns:a14="http://schemas.microsoft.com/office/drawing/2010/main" w="9525">
                 <a:solidFill>
                   <a:srgbClr val="000000"/>
                 </a:solidFill>
@@ -1374,14 +1374,14 @@
           </a:ln>
           <a:extLst>
             <a:ext uri="{909E8E84-426E-40dd-AFC4-6F175D3DCCD1}">
-              <a14:hiddenFill xmlns:a14="http://schemas.microsoft.com/office/drawing/2010/main" xmlns="">
+              <a14:hiddenFill xmlns="" xmlns:a14="http://schemas.microsoft.com/office/drawing/2010/main">
                 <a:solidFill>
                   <a:srgbClr val="FFFFFF"/>
                 </a:solidFill>
               </a14:hiddenFill>
             </a:ext>
             <a:ext uri="{91240B29-F687-4f45-9708-019B960494DF}">
-              <a14:hiddenLine xmlns:a14="http://schemas.microsoft.com/office/drawing/2010/main" xmlns="" w="9525">
+              <a14:hiddenLine xmlns="" xmlns:a14="http://schemas.microsoft.com/office/drawing/2010/main" w="9525">
                 <a:solidFill>
                   <a:srgbClr val="000000"/>
                 </a:solidFill>
@@ -3615,7 +3615,7 @@
             </a:ln>
             <a:extLst>
               <a:ext uri="{91240B29-F687-4f45-9708-019B960494DF}">
-                <a14:hiddenLine xmlns:a14="http://schemas.microsoft.com/office/drawing/2010/main" xmlns="" w="9525">
+                <a14:hiddenLine xmlns="" xmlns:a14="http://schemas.microsoft.com/office/drawing/2010/main" w="9525">
                   <a:solidFill>
                     <a:srgbClr val="000000"/>
                   </a:solidFill>
@@ -3778,7 +3778,7 @@
             </a:ln>
             <a:extLst>
               <a:ext uri="{91240B29-F687-4f45-9708-019B960494DF}">
-                <a14:hiddenLine xmlns:a14="http://schemas.microsoft.com/office/drawing/2010/main" xmlns="" w="9525">
+                <a14:hiddenLine xmlns="" xmlns:a14="http://schemas.microsoft.com/office/drawing/2010/main" w="9525">
                   <a:solidFill>
                     <a:srgbClr val="000000"/>
                   </a:solidFill>
@@ -3934,14 +3934,14 @@
           </a:ln>
           <a:extLst>
             <a:ext uri="{909E8E84-426E-40dd-AFC4-6F175D3DCCD1}">
-              <a14:hiddenFill xmlns:a14="http://schemas.microsoft.com/office/drawing/2010/main" xmlns="">
+              <a14:hiddenFill xmlns="" xmlns:a14="http://schemas.microsoft.com/office/drawing/2010/main">
                 <a:solidFill>
                   <a:srgbClr val="FFFFFF"/>
                 </a:solidFill>
               </a14:hiddenFill>
             </a:ext>
             <a:ext uri="{91240B29-F687-4f45-9708-019B960494DF}">
-              <a14:hiddenLine xmlns:a14="http://schemas.microsoft.com/office/drawing/2010/main" xmlns="" w="9525">
+              <a14:hiddenLine xmlns="" xmlns:a14="http://schemas.microsoft.com/office/drawing/2010/main" w="9525">
                 <a:solidFill>
                   <a:srgbClr val="000000"/>
                 </a:solidFill>
@@ -3998,14 +3998,14 @@
           </a:ln>
           <a:extLst>
             <a:ext uri="{909E8E84-426E-40dd-AFC4-6F175D3DCCD1}">
-              <a14:hiddenFill xmlns:a14="http://schemas.microsoft.com/office/drawing/2010/main" xmlns="">
+              <a14:hiddenFill xmlns="" xmlns:a14="http://schemas.microsoft.com/office/drawing/2010/main">
                 <a:solidFill>
                   <a:srgbClr val="FFFFFF"/>
                 </a:solidFill>
               </a14:hiddenFill>
             </a:ext>
             <a:ext uri="{91240B29-F687-4f45-9708-019B960494DF}">
-              <a14:hiddenLine xmlns:a14="http://schemas.microsoft.com/office/drawing/2010/main" xmlns="" w="9525">
+              <a14:hiddenLine xmlns="" xmlns:a14="http://schemas.microsoft.com/office/drawing/2010/main" w="9525">
                 <a:solidFill>
                   <a:srgbClr val="000000"/>
                 </a:solidFill>
@@ -4101,14 +4101,14 @@
           </a:ln>
           <a:extLst>
             <a:ext uri="{909E8E84-426E-40dd-AFC4-6F175D3DCCD1}">
-              <a14:hiddenFill xmlns:a14="http://schemas.microsoft.com/office/drawing/2010/main" xmlns="">
+              <a14:hiddenFill xmlns="" xmlns:a14="http://schemas.microsoft.com/office/drawing/2010/main">
                 <a:solidFill>
                   <a:srgbClr val="FFFFFF"/>
                 </a:solidFill>
               </a14:hiddenFill>
             </a:ext>
             <a:ext uri="{91240B29-F687-4f45-9708-019B960494DF}">
-              <a14:hiddenLine xmlns:a14="http://schemas.microsoft.com/office/drawing/2010/main" xmlns="" w="9525">
+              <a14:hiddenLine xmlns="" xmlns:a14="http://schemas.microsoft.com/office/drawing/2010/main" w="9525">
                 <a:solidFill>
                   <a:srgbClr val="000000"/>
                 </a:solidFill>
@@ -4680,14 +4680,14 @@
           </a:ln>
           <a:extLst>
             <a:ext uri="{909E8E84-426E-40dd-AFC4-6F175D3DCCD1}">
-              <a14:hiddenFill xmlns:a14="http://schemas.microsoft.com/office/drawing/2010/main" xmlns="">
+              <a14:hiddenFill xmlns="" xmlns:a14="http://schemas.microsoft.com/office/drawing/2010/main">
                 <a:solidFill>
                   <a:srgbClr val="FFFFFF"/>
                 </a:solidFill>
               </a14:hiddenFill>
             </a:ext>
             <a:ext uri="{91240B29-F687-4f45-9708-019B960494DF}">
-              <a14:hiddenLine xmlns:a14="http://schemas.microsoft.com/office/drawing/2010/main" xmlns="" w="9525">
+              <a14:hiddenLine xmlns="" xmlns:a14="http://schemas.microsoft.com/office/drawing/2010/main" w="9525">
                 <a:solidFill>
                   <a:srgbClr val="000000"/>
                 </a:solidFill>
@@ -4810,14 +4810,14 @@
           </a:ln>
           <a:extLst>
             <a:ext uri="{909E8E84-426E-40dd-AFC4-6F175D3DCCD1}">
-              <a14:hiddenFill xmlns:a14="http://schemas.microsoft.com/office/drawing/2010/main" xmlns="">
+              <a14:hiddenFill xmlns="" xmlns:a14="http://schemas.microsoft.com/office/drawing/2010/main">
                 <a:solidFill>
                   <a:srgbClr val="FFFFFF"/>
                 </a:solidFill>
               </a14:hiddenFill>
             </a:ext>
             <a:ext uri="{91240B29-F687-4f45-9708-019B960494DF}">
-              <a14:hiddenLine xmlns:a14="http://schemas.microsoft.com/office/drawing/2010/main" xmlns="" w="9525">
+              <a14:hiddenLine xmlns="" xmlns:a14="http://schemas.microsoft.com/office/drawing/2010/main" w="9525">
                 <a:solidFill>
                   <a:srgbClr val="000000"/>
                 </a:solidFill>
@@ -5055,6 +5055,42 @@
           <a:lstStyle/>
           <a:p>
             <a:r>
+              <a:rPr lang="en-US" altLang="en-US" dirty="0"/>
+              <a:t>Speaker</a:t>
+            </a:r>
+          </a:p>
+          <a:p>
+            <a:pPr lvl="1"/>
+            <a:r>
+              <a:rPr lang="en-US" altLang="en-US" dirty="0"/>
+              <a:t>Finish answering Q&amp;A on Teams by end of day</a:t>
+            </a:r>
+          </a:p>
+          <a:p>
+            <a:pPr lvl="1"/>
+            <a:r>
+              <a:rPr lang="en-US" altLang="en-US" dirty="0"/>
+              <a:t>Submit Final Paper by the </a:t>
+            </a:r>
+            <a:r>
+              <a:rPr lang="en-US" altLang="en-US" dirty="0">
+                <a:solidFill>
+                  <a:srgbClr val="FF0000"/>
+                </a:solidFill>
+              </a:rPr>
+              <a:t>following Friday before class</a:t>
+            </a:r>
+          </a:p>
+          <a:p>
+            <a:pPr lvl="1"/>
+            <a:endParaRPr lang="en-US" altLang="en-US" dirty="0">
+              <a:solidFill>
+                <a:srgbClr val="FF0000"/>
+              </a:solidFill>
+            </a:endParaRPr>
+          </a:p>
+          <a:p>
+            <a:r>
               <a:rPr lang="en-US" dirty="0"/>
               <a:t>Audience: submit </a:t>
             </a:r>
@@ -5092,43 +5128,6 @@
           </a:p>
           <a:p>
             <a:pPr lvl="1"/>
-            <a:endParaRPr lang="en-US" altLang="en-US" dirty="0"/>
-          </a:p>
-          <a:p>
-            <a:r>
-              <a:rPr lang="en-US" altLang="en-US" dirty="0"/>
-              <a:t>Speaker</a:t>
-            </a:r>
-          </a:p>
-          <a:p>
-            <a:pPr lvl="1"/>
-            <a:r>
-              <a:rPr lang="en-US" altLang="en-US" dirty="0"/>
-              <a:t>Finish answering Q&amp;A on Teams by end of day</a:t>
-            </a:r>
-          </a:p>
-          <a:p>
-            <a:pPr lvl="1"/>
-            <a:r>
-              <a:rPr lang="en-US" altLang="en-US" dirty="0"/>
-              <a:t>Submit Final Paper by the </a:t>
-            </a:r>
-            <a:r>
-              <a:rPr lang="en-US" altLang="en-US" dirty="0">
-                <a:solidFill>
-                  <a:srgbClr val="FF0000"/>
-                </a:solidFill>
-              </a:rPr>
-              <a:t>following Friday </a:t>
-            </a:r>
-            <a:r>
-              <a:rPr lang="en-US" altLang="en-US">
-                <a:solidFill>
-                  <a:srgbClr val="FF0000"/>
-                </a:solidFill>
-              </a:rPr>
-              <a:t>before class</a:t>
-            </a:r>
             <a:endParaRPr lang="en-US" altLang="en-US" dirty="0">
               <a:solidFill>
                 <a:srgbClr val="FF0000"/>
@@ -5544,6 +5543,27 @@
         <p:txBody>
           <a:bodyPr/>
           <a:lstStyle/>
+          <a:p>
+            <a:r>
+              <a:rPr lang="en-US" dirty="0"/>
+              <a:t>Make sure you are enrolled in </a:t>
+            </a:r>
+            <a:r>
+              <a:rPr lang="en-US" dirty="0" err="1"/>
+              <a:t>TopHat</a:t>
+            </a:r>
+            <a:r>
+              <a:rPr lang="en-US" dirty="0"/>
+              <a:t> </a:t>
+            </a:r>
+            <a:r>
+              <a:rPr lang="en-US"/>
+              <a:t>and Teams</a:t>
+            </a:r>
+          </a:p>
+          <a:p>
+            <a:endParaRPr lang="en-US"/>
+          </a:p>
           <a:p>
             <a:r>
               <a:rPr lang="en-US" dirty="0"/>

--- a/lectures/introduction-internship.pptx
+++ b/lectures/introduction-internship.pptx
@@ -284,7 +284,7 @@
             <a:fld id="{8AD1700A-0812-4960-BDAF-BBEBDA6F415D}" type="datetime1">
               <a:rPr lang="en-US" altLang="en-US"/>
               <a:pPr/>
-              <a:t>9/2/2022</a:t>
+              <a:t>9/9/2022</a:t>
             </a:fld>
             <a:endParaRPr lang="en-US" altLang="en-US"/>
           </a:p>
@@ -566,7 +566,7 @@
           </a:ln>
           <a:extLst>
             <a:ext uri="{909E8E84-426E-40dd-AFC4-6F175D3DCCD1}">
-              <a14:hiddenFill xmlns="" xmlns:a14="http://schemas.microsoft.com/office/drawing/2010/main">
+              <a14:hiddenFill xmlns:a14="http://schemas.microsoft.com/office/drawing/2010/main" xmlns="">
                 <a:solidFill>
                   <a:srgbClr val="FFFFFF"/>
                 </a:solidFill>
@@ -951,14 +951,14 @@
           <a:ln/>
           <a:extLst>
             <a:ext uri="{909E8E84-426E-40dd-AFC4-6F175D3DCCD1}">
-              <a14:hiddenFill xmlns="" xmlns:a14="http://schemas.microsoft.com/office/drawing/2010/main">
+              <a14:hiddenFill xmlns:a14="http://schemas.microsoft.com/office/drawing/2010/main" xmlns="">
                 <a:solidFill>
                   <a:srgbClr val="FFFFFF"/>
                 </a:solidFill>
               </a14:hiddenFill>
             </a:ext>
             <a:ext uri="{91240B29-F687-4f45-9708-019B960494DF}">
-              <a14:hiddenLine xmlns="" xmlns:a14="http://schemas.microsoft.com/office/drawing/2010/main" w="9525">
+              <a14:hiddenLine xmlns:a14="http://schemas.microsoft.com/office/drawing/2010/main" xmlns="" w="9525">
                 <a:solidFill>
                   <a:srgbClr val="000000"/>
                 </a:solidFill>
@@ -1000,14 +1000,14 @@
           <a:ln/>
           <a:extLst>
             <a:ext uri="{909E8E84-426E-40dd-AFC4-6F175D3DCCD1}">
-              <a14:hiddenFill xmlns="" xmlns:a14="http://schemas.microsoft.com/office/drawing/2010/main">
+              <a14:hiddenFill xmlns:a14="http://schemas.microsoft.com/office/drawing/2010/main" xmlns="">
                 <a:solidFill>
                   <a:srgbClr val="FFFFFF"/>
                 </a:solidFill>
               </a14:hiddenFill>
             </a:ext>
             <a:ext uri="{91240B29-F687-4f45-9708-019B960494DF}">
-              <a14:hiddenLine xmlns="" xmlns:a14="http://schemas.microsoft.com/office/drawing/2010/main" w="9525">
+              <a14:hiddenLine xmlns:a14="http://schemas.microsoft.com/office/drawing/2010/main" xmlns="" w="9525">
                 <a:solidFill>
                   <a:srgbClr val="000000"/>
                 </a:solidFill>
@@ -1208,7 +1208,7 @@
           </a:ln>
           <a:extLst>
             <a:ext uri="{91240B29-F687-4f45-9708-019B960494DF}">
-              <a14:hiddenLine xmlns="" xmlns:a14="http://schemas.microsoft.com/office/drawing/2010/main" w="9525">
+              <a14:hiddenLine xmlns:a14="http://schemas.microsoft.com/office/drawing/2010/main" xmlns="" w="9525">
                 <a:solidFill>
                   <a:srgbClr val="000000"/>
                 </a:solidFill>
@@ -1374,14 +1374,14 @@
           </a:ln>
           <a:extLst>
             <a:ext uri="{909E8E84-426E-40dd-AFC4-6F175D3DCCD1}">
-              <a14:hiddenFill xmlns="" xmlns:a14="http://schemas.microsoft.com/office/drawing/2010/main">
+              <a14:hiddenFill xmlns:a14="http://schemas.microsoft.com/office/drawing/2010/main" xmlns="">
                 <a:solidFill>
                   <a:srgbClr val="FFFFFF"/>
                 </a:solidFill>
               </a14:hiddenFill>
             </a:ext>
             <a:ext uri="{91240B29-F687-4f45-9708-019B960494DF}">
-              <a14:hiddenLine xmlns="" xmlns:a14="http://schemas.microsoft.com/office/drawing/2010/main" w="9525">
+              <a14:hiddenLine xmlns:a14="http://schemas.microsoft.com/office/drawing/2010/main" xmlns="" w="9525">
                 <a:solidFill>
                   <a:srgbClr val="000000"/>
                 </a:solidFill>
@@ -3615,7 +3615,7 @@
             </a:ln>
             <a:extLst>
               <a:ext uri="{91240B29-F687-4f45-9708-019B960494DF}">
-                <a14:hiddenLine xmlns="" xmlns:a14="http://schemas.microsoft.com/office/drawing/2010/main" w="9525">
+                <a14:hiddenLine xmlns:a14="http://schemas.microsoft.com/office/drawing/2010/main" xmlns="" w="9525">
                   <a:solidFill>
                     <a:srgbClr val="000000"/>
                   </a:solidFill>
@@ -3778,7 +3778,7 @@
             </a:ln>
             <a:extLst>
               <a:ext uri="{91240B29-F687-4f45-9708-019B960494DF}">
-                <a14:hiddenLine xmlns="" xmlns:a14="http://schemas.microsoft.com/office/drawing/2010/main" w="9525">
+                <a14:hiddenLine xmlns:a14="http://schemas.microsoft.com/office/drawing/2010/main" xmlns="" w="9525">
                   <a:solidFill>
                     <a:srgbClr val="000000"/>
                   </a:solidFill>
@@ -3934,14 +3934,14 @@
           </a:ln>
           <a:extLst>
             <a:ext uri="{909E8E84-426E-40dd-AFC4-6F175D3DCCD1}">
-              <a14:hiddenFill xmlns="" xmlns:a14="http://schemas.microsoft.com/office/drawing/2010/main">
+              <a14:hiddenFill xmlns:a14="http://schemas.microsoft.com/office/drawing/2010/main" xmlns="">
                 <a:solidFill>
                   <a:srgbClr val="FFFFFF"/>
                 </a:solidFill>
               </a14:hiddenFill>
             </a:ext>
             <a:ext uri="{91240B29-F687-4f45-9708-019B960494DF}">
-              <a14:hiddenLine xmlns="" xmlns:a14="http://schemas.microsoft.com/office/drawing/2010/main" w="9525">
+              <a14:hiddenLine xmlns:a14="http://schemas.microsoft.com/office/drawing/2010/main" xmlns="" w="9525">
                 <a:solidFill>
                   <a:srgbClr val="000000"/>
                 </a:solidFill>
@@ -3998,14 +3998,14 @@
           </a:ln>
           <a:extLst>
             <a:ext uri="{909E8E84-426E-40dd-AFC4-6F175D3DCCD1}">
-              <a14:hiddenFill xmlns="" xmlns:a14="http://schemas.microsoft.com/office/drawing/2010/main">
+              <a14:hiddenFill xmlns:a14="http://schemas.microsoft.com/office/drawing/2010/main" xmlns="">
                 <a:solidFill>
                   <a:srgbClr val="FFFFFF"/>
                 </a:solidFill>
               </a14:hiddenFill>
             </a:ext>
             <a:ext uri="{91240B29-F687-4f45-9708-019B960494DF}">
-              <a14:hiddenLine xmlns="" xmlns:a14="http://schemas.microsoft.com/office/drawing/2010/main" w="9525">
+              <a14:hiddenLine xmlns:a14="http://schemas.microsoft.com/office/drawing/2010/main" xmlns="" w="9525">
                 <a:solidFill>
                   <a:srgbClr val="000000"/>
                 </a:solidFill>
@@ -4101,14 +4101,14 @@
           </a:ln>
           <a:extLst>
             <a:ext uri="{909E8E84-426E-40dd-AFC4-6F175D3DCCD1}">
-              <a14:hiddenFill xmlns="" xmlns:a14="http://schemas.microsoft.com/office/drawing/2010/main">
+              <a14:hiddenFill xmlns:a14="http://schemas.microsoft.com/office/drawing/2010/main" xmlns="">
                 <a:solidFill>
                   <a:srgbClr val="FFFFFF"/>
                 </a:solidFill>
               </a14:hiddenFill>
             </a:ext>
             <a:ext uri="{91240B29-F687-4f45-9708-019B960494DF}">
-              <a14:hiddenLine xmlns="" xmlns:a14="http://schemas.microsoft.com/office/drawing/2010/main" w="9525">
+              <a14:hiddenLine xmlns:a14="http://schemas.microsoft.com/office/drawing/2010/main" xmlns="" w="9525">
                 <a:solidFill>
                   <a:srgbClr val="000000"/>
                 </a:solidFill>
@@ -4680,14 +4680,14 @@
           </a:ln>
           <a:extLst>
             <a:ext uri="{909E8E84-426E-40dd-AFC4-6F175D3DCCD1}">
-              <a14:hiddenFill xmlns="" xmlns:a14="http://schemas.microsoft.com/office/drawing/2010/main">
+              <a14:hiddenFill xmlns:a14="http://schemas.microsoft.com/office/drawing/2010/main" xmlns="">
                 <a:solidFill>
                   <a:srgbClr val="FFFFFF"/>
                 </a:solidFill>
               </a14:hiddenFill>
             </a:ext>
             <a:ext uri="{91240B29-F687-4f45-9708-019B960494DF}">
-              <a14:hiddenLine xmlns="" xmlns:a14="http://schemas.microsoft.com/office/drawing/2010/main" w="9525">
+              <a14:hiddenLine xmlns:a14="http://schemas.microsoft.com/office/drawing/2010/main" xmlns="" w="9525">
                 <a:solidFill>
                   <a:srgbClr val="000000"/>
                 </a:solidFill>
@@ -4810,14 +4810,14 @@
           </a:ln>
           <a:extLst>
             <a:ext uri="{909E8E84-426E-40dd-AFC4-6F175D3DCCD1}">
-              <a14:hiddenFill xmlns="" xmlns:a14="http://schemas.microsoft.com/office/drawing/2010/main">
+              <a14:hiddenFill xmlns:a14="http://schemas.microsoft.com/office/drawing/2010/main" xmlns="">
                 <a:solidFill>
                   <a:srgbClr val="FFFFFF"/>
                 </a:solidFill>
               </a14:hiddenFill>
             </a:ext>
             <a:ext uri="{91240B29-F687-4f45-9708-019B960494DF}">
-              <a14:hiddenLine xmlns="" xmlns:a14="http://schemas.microsoft.com/office/drawing/2010/main" w="9525">
+              <a14:hiddenLine xmlns:a14="http://schemas.microsoft.com/office/drawing/2010/main" xmlns="" w="9525">
                 <a:solidFill>
                   <a:srgbClr val="000000"/>
                 </a:solidFill>
@@ -6612,12 +6612,12 @@
               <a:t>Submit all slides to Canvas by </a:t>
             </a:r>
             <a:r>
-              <a:rPr lang="en-US" altLang="en-US" dirty="0">
+              <a:rPr lang="en-US" altLang="en-US">
                 <a:solidFill>
                   <a:srgbClr val="FF0000"/>
                 </a:solidFill>
               </a:rPr>
-              <a:t>Thursday midnight</a:t>
+              <a:t>Thursday 9 PM</a:t>
             </a:r>
             <a:endParaRPr lang="en-US" altLang="en-US" dirty="0"/>
           </a:p>
